--- a/Waveguide/image/image.pptx
+++ b/Waveguide/image/image.pptx
@@ -259,7 +259,7 @@
           <a:p>
             <a:fld id="{44EA048A-2452-4573-944D-152AB9E322CF}" type="datetimeFigureOut">
               <a:rPr lang="zh-TW" altLang="en-US" smtClean="0"/>
-              <a:t>2025/3/22</a:t>
+              <a:t>2025/4/1</a:t>
             </a:fld>
             <a:endParaRPr lang="zh-TW" altLang="en-US"/>
           </a:p>
@@ -457,7 +457,7 @@
           <a:p>
             <a:fld id="{44EA048A-2452-4573-944D-152AB9E322CF}" type="datetimeFigureOut">
               <a:rPr lang="zh-TW" altLang="en-US" smtClean="0"/>
-              <a:t>2025/3/22</a:t>
+              <a:t>2025/4/1</a:t>
             </a:fld>
             <a:endParaRPr lang="zh-TW" altLang="en-US"/>
           </a:p>
@@ -665,7 +665,7 @@
           <a:p>
             <a:fld id="{44EA048A-2452-4573-944D-152AB9E322CF}" type="datetimeFigureOut">
               <a:rPr lang="zh-TW" altLang="en-US" smtClean="0"/>
-              <a:t>2025/3/22</a:t>
+              <a:t>2025/4/1</a:t>
             </a:fld>
             <a:endParaRPr lang="zh-TW" altLang="en-US"/>
           </a:p>
@@ -863,7 +863,7 @@
           <a:p>
             <a:fld id="{44EA048A-2452-4573-944D-152AB9E322CF}" type="datetimeFigureOut">
               <a:rPr lang="zh-TW" altLang="en-US" smtClean="0"/>
-              <a:t>2025/3/22</a:t>
+              <a:t>2025/4/1</a:t>
             </a:fld>
             <a:endParaRPr lang="zh-TW" altLang="en-US"/>
           </a:p>
@@ -1138,7 +1138,7 @@
           <a:p>
             <a:fld id="{44EA048A-2452-4573-944D-152AB9E322CF}" type="datetimeFigureOut">
               <a:rPr lang="zh-TW" altLang="en-US" smtClean="0"/>
-              <a:t>2025/3/22</a:t>
+              <a:t>2025/4/1</a:t>
             </a:fld>
             <a:endParaRPr lang="zh-TW" altLang="en-US"/>
           </a:p>
@@ -1403,7 +1403,7 @@
           <a:p>
             <a:fld id="{44EA048A-2452-4573-944D-152AB9E322CF}" type="datetimeFigureOut">
               <a:rPr lang="zh-TW" altLang="en-US" smtClean="0"/>
-              <a:t>2025/3/22</a:t>
+              <a:t>2025/4/1</a:t>
             </a:fld>
             <a:endParaRPr lang="zh-TW" altLang="en-US"/>
           </a:p>
@@ -1815,7 +1815,7 @@
           <a:p>
             <a:fld id="{44EA048A-2452-4573-944D-152AB9E322CF}" type="datetimeFigureOut">
               <a:rPr lang="zh-TW" altLang="en-US" smtClean="0"/>
-              <a:t>2025/3/22</a:t>
+              <a:t>2025/4/1</a:t>
             </a:fld>
             <a:endParaRPr lang="zh-TW" altLang="en-US"/>
           </a:p>
@@ -1956,7 +1956,7 @@
           <a:p>
             <a:fld id="{44EA048A-2452-4573-944D-152AB9E322CF}" type="datetimeFigureOut">
               <a:rPr lang="zh-TW" altLang="en-US" smtClean="0"/>
-              <a:t>2025/3/22</a:t>
+              <a:t>2025/4/1</a:t>
             </a:fld>
             <a:endParaRPr lang="zh-TW" altLang="en-US"/>
           </a:p>
@@ -2069,7 +2069,7 @@
           <a:p>
             <a:fld id="{44EA048A-2452-4573-944D-152AB9E322CF}" type="datetimeFigureOut">
               <a:rPr lang="zh-TW" altLang="en-US" smtClean="0"/>
-              <a:t>2025/3/22</a:t>
+              <a:t>2025/4/1</a:t>
             </a:fld>
             <a:endParaRPr lang="zh-TW" altLang="en-US"/>
           </a:p>
@@ -2380,7 +2380,7 @@
           <a:p>
             <a:fld id="{44EA048A-2452-4573-944D-152AB9E322CF}" type="datetimeFigureOut">
               <a:rPr lang="zh-TW" altLang="en-US" smtClean="0"/>
-              <a:t>2025/3/22</a:t>
+              <a:t>2025/4/1</a:t>
             </a:fld>
             <a:endParaRPr lang="zh-TW" altLang="en-US"/>
           </a:p>
@@ -2668,7 +2668,7 @@
           <a:p>
             <a:fld id="{44EA048A-2452-4573-944D-152AB9E322CF}" type="datetimeFigureOut">
               <a:rPr lang="zh-TW" altLang="en-US" smtClean="0"/>
-              <a:t>2025/3/22</a:t>
+              <a:t>2025/4/1</a:t>
             </a:fld>
             <a:endParaRPr lang="zh-TW" altLang="en-US"/>
           </a:p>
@@ -2909,7 +2909,7 @@
           <a:p>
             <a:fld id="{44EA048A-2452-4573-944D-152AB9E322CF}" type="datetimeFigureOut">
               <a:rPr lang="zh-TW" altLang="en-US" smtClean="0"/>
-              <a:t>2025/3/22</a:t>
+              <a:t>2025/4/1</a:t>
             </a:fld>
             <a:endParaRPr lang="zh-TW" altLang="en-US"/>
           </a:p>
@@ -3369,7 +3369,7 @@
         </p:nvCxnSpPr>
         <p:spPr>
           <a:xfrm>
-            <a:off x="1691062" y="3821392"/>
+            <a:off x="1691062" y="3795201"/>
             <a:ext cx="360000" cy="0"/>
           </a:xfrm>
           <a:prstGeom prst="straightConnector1">
@@ -3411,8 +3411,8 @@
         </p:nvSpPr>
         <p:spPr>
           <a:xfrm>
-            <a:off x="1709983" y="3797415"/>
-            <a:ext cx="944489" cy="369332"/>
+            <a:off x="1647125" y="3810302"/>
+            <a:ext cx="437940" cy="369332"/>
           </a:xfrm>
           <a:prstGeom prst="rect">
             <a:avLst/>
@@ -3426,16 +3426,10 @@
           <a:lstStyle/>
           <a:p>
             <a:r>
-              <a:rPr lang="en-US" altLang="zh-TW" dirty="0" err="1">
-                <a:latin typeface="Consolas" panose="020B0609020204030204" pitchFamily="49" charset="0"/>
-              </a:rPr>
-              <a:t>og</a:t>
-            </a:r>
-            <a:r>
               <a:rPr lang="en-US" altLang="zh-TW" dirty="0">
                 <a:latin typeface="Consolas" panose="020B0609020204030204" pitchFamily="49" charset="0"/>
               </a:rPr>
-              <a:t>, o0</a:t>
+              <a:t>o0</a:t>
             </a:r>
             <a:endParaRPr lang="zh-TW" altLang="en-US" dirty="0">
               <a:latin typeface="Consolas" panose="020B0609020204030204" pitchFamily="49" charset="0"/>
@@ -3534,7 +3528,7 @@
         </p:nvCxnSpPr>
         <p:spPr>
           <a:xfrm>
-            <a:off x="10482017" y="3816385"/>
+            <a:off x="10482017" y="3800510"/>
             <a:ext cx="360000" cy="0"/>
           </a:xfrm>
           <a:prstGeom prst="straightConnector1">
@@ -3576,7 +3570,7 @@
         </p:nvSpPr>
         <p:spPr>
           <a:xfrm>
-            <a:off x="10850901" y="3633863"/>
+            <a:off x="10850901" y="3617988"/>
             <a:ext cx="437940" cy="369332"/>
           </a:xfrm>
           <a:prstGeom prst="rect">
